--- a/Finalni_projekt/Čtečka otisků prstů.pptx
+++ b/Finalni_projekt/Čtečka otisků prstů.pptx
@@ -6035,11 +6035,7 @@
           <a:p>
             <a:r>
               <a:rPr lang="cs-CZ" sz="3000" dirty="0" smtClean="0"/>
-              <a:t>Zeslabení </a:t>
-            </a:r>
-            <a:r>
-              <a:rPr lang="cs-CZ" sz="3000" dirty="0" smtClean="0"/>
-              <a:t>napětí</a:t>
+              <a:t>Zeslabení napětí</a:t>
             </a:r>
             <a:r>
               <a:rPr lang="cs-CZ" dirty="0" smtClean="0"/>
@@ -8130,7 +8126,7 @@
             </a:r>
             <a:r>
               <a:rPr lang="cs-CZ" sz="4800" dirty="0" smtClean="0"/>
-              <a:t>mikroprocesoru ESP</a:t>
+              <a:t>a jejich řešení</a:t>
             </a:r>
             <a:endParaRPr lang="cs-CZ" sz="4800" dirty="0"/>
           </a:p>
@@ -8157,9 +8153,14 @@
               </a:lnSpc>
             </a:pPr>
             <a:r>
-              <a:rPr lang="cs-CZ" sz="3000" dirty="0" smtClean="0"/>
-              <a:t>Seriová ryhlost</a:t>
-            </a:r>
+              <a:rPr lang="cs-CZ" sz="3000" smtClean="0"/>
+              <a:t>Seriová </a:t>
+            </a:r>
+            <a:r>
+              <a:rPr lang="cs-CZ" sz="3000" smtClean="0"/>
+              <a:t>rychlost</a:t>
+            </a:r>
+            <a:endParaRPr lang="cs-CZ" sz="3000" dirty="0" smtClean="0"/>
           </a:p>
           <a:p>
             <a:pPr>
